--- a/calendario/documentos/5_Funciones.pptx
+++ b/calendario/documentos/5_Funciones.pptx
@@ -5281,7 +5281,7 @@
                 </a:effectLst>
                 <a:latin typeface="Dom Casual" charset="0"/>
               </a:rPr>
-              <a:t>Actividad Grupal</a:t>
+              <a:t>Actividad grupal</a:t>
             </a:r>
           </a:p>
         </p:txBody>
@@ -7002,7 +7002,7 @@
                 </a:effectLst>
                 <a:latin typeface="Dom Casual" charset="0"/>
               </a:rPr>
-              <a:t>Actividad Grupal</a:t>
+              <a:t>Actividad grupal</a:t>
             </a:r>
           </a:p>
         </p:txBody>
@@ -7183,7 +7183,7 @@
             <a:r>
               <a:rPr lang="es-ES_tradnl" sz="4400" b="1" dirty="0">
                 <a:solidFill>
-                  <a:srgbClr val="D60093"/>
+                  <a:srgbClr val="CC0066"/>
                 </a:solidFill>
                 <a:effectLst>
                   <a:outerShdw blurRad="38100" dist="38100" dir="2700000" algn="tl">
@@ -7192,7 +7192,7 @@
                 </a:effectLst>
                 <a:latin typeface="Dom Casual" charset="0"/>
               </a:rPr>
-              <a:t>Actividad colaborativa</a:t>
+              <a:t>Actividad individual</a:t>
             </a:r>
           </a:p>
           <a:p>
@@ -7216,56 +7216,38 @@
       </p:sp>
       <p:pic>
         <p:nvPicPr>
-          <p:cNvPr id="5" name="Picture 2"/>
+          <p:cNvPr id="8" name="Imagen 7">
+            <a:extLst>
+              <a:ext uri="{FF2B5EF4-FFF2-40B4-BE49-F238E27FC236}">
+                <a16:creationId xmlns:a16="http://schemas.microsoft.com/office/drawing/2014/main" id="{1AD5332B-B0AB-4E62-AE93-C5A965175BDC}"/>
+              </a:ext>
+            </a:extLst>
+          </p:cNvPr>
           <p:cNvPicPr>
-            <a:picLocks noChangeAspect="1" noChangeArrowheads="1"/>
+            <a:picLocks noChangeAspect="1"/>
           </p:cNvPicPr>
           <p:nvPr/>
         </p:nvPicPr>
         <p:blipFill>
-          <a:blip r:embed="rId2">
+          <a:blip r:embed="rId2" cstate="print">
             <a:extLst>
               <a:ext uri="{28A0092B-C50C-407E-A947-70E740481C1C}">
                 <a14:useLocalDpi xmlns:a14="http://schemas.microsoft.com/office/drawing/2010/main" val="0"/>
               </a:ext>
             </a:extLst>
           </a:blip>
-          <a:srcRect/>
           <a:stretch>
             <a:fillRect/>
           </a:stretch>
         </p:blipFill>
-        <p:spPr bwMode="auto">
+        <p:spPr>
           <a:xfrm>
-            <a:off x="2627784" y="3573016"/>
-            <a:ext cx="3644625" cy="3035341"/>
+            <a:off x="2915816" y="3455102"/>
+            <a:ext cx="3603710" cy="2916385"/>
           </a:xfrm>
           <a:prstGeom prst="rect">
             <a:avLst/>
           </a:prstGeom>
-          <a:noFill/>
-          <a:ln>
-            <a:noFill/>
-          </a:ln>
-          <a:extLst>
-            <a:ext uri="{909E8E84-426E-40DD-AFC4-6F175D3DCCD1}">
-              <a14:hiddenFill xmlns:a14="http://schemas.microsoft.com/office/drawing/2010/main">
-                <a:solidFill>
-                  <a:schemeClr val="accent1"/>
-                </a:solidFill>
-              </a14:hiddenFill>
-            </a:ext>
-            <a:ext uri="{91240B29-F687-4F45-9708-019B960494DF}">
-              <a14:hiddenLine xmlns:a14="http://schemas.microsoft.com/office/drawing/2010/main" w="9525">
-                <a:solidFill>
-                  <a:schemeClr val="tx1"/>
-                </a:solidFill>
-                <a:miter lim="800000"/>
-                <a:headEnd/>
-                <a:tailEnd/>
-              </a14:hiddenLine>
-            </a:ext>
-          </a:extLst>
         </p:spPr>
       </p:pic>
     </p:spTree>
@@ -7544,7 +7526,7 @@
                 <a:latin typeface="Arial" pitchFamily="34" charset="0"/>
                 <a:cs typeface="Arial" pitchFamily="34" charset="0"/>
               </a:rPr>
-              <a:t>(x, y, z)</a:t>
+              <a:t>(x, y, z):</a:t>
             </a:r>
           </a:p>
           <a:p>
@@ -8004,7 +7986,7 @@
             <a:r>
               <a:rPr lang="es-ES_tradnl" sz="4400" b="1" dirty="0">
                 <a:solidFill>
-                  <a:srgbClr val="D60093"/>
+                  <a:srgbClr val="CC0066"/>
                 </a:solidFill>
                 <a:effectLst>
                   <a:outerShdw blurRad="38100" dist="38100" dir="2700000" algn="tl">
@@ -8013,7 +7995,7 @@
                 </a:effectLst>
                 <a:latin typeface="Dom Casual" charset="0"/>
               </a:rPr>
-              <a:t>Actividad colaborativa</a:t>
+              <a:t>Actividad individual</a:t>
             </a:r>
           </a:p>
         </p:txBody>
@@ -8202,7 +8184,7 @@
                 <a:latin typeface="Arial" pitchFamily="34" charset="0"/>
                 <a:cs typeface="Arial" pitchFamily="34" charset="0"/>
               </a:rPr>
-              <a:t>(input("Introduce el valor de x: "))</a:t>
+              <a:t>(input("Introduce un valor: "))</a:t>
             </a:r>
           </a:p>
           <a:p>
@@ -8251,7 +8233,7 @@
                 <a:latin typeface="Arial" pitchFamily="34" charset="0"/>
                 <a:cs typeface="Arial" pitchFamily="34" charset="0"/>
               </a:rPr>
-              <a:t>(input("Introduce el valor de y: "))</a:t>
+              <a:t>(input("Introduce un valor: "))</a:t>
             </a:r>
           </a:p>
           <a:p>
@@ -8300,7 +8282,31 @@
                 <a:latin typeface="Arial" pitchFamily="34" charset="0"/>
                 <a:cs typeface="Arial" pitchFamily="34" charset="0"/>
               </a:rPr>
-              <a:t>(input("Introduce el valor de z: "))</a:t>
+              <a:t>(input("Introduce </a:t>
+            </a:r>
+            <a:r>
+              <a:rPr lang="es-MX" sz="2100" b="1">
+                <a:solidFill>
+                  <a:schemeClr val="bg2">
+                    <a:lumMod val="25000"/>
+                  </a:schemeClr>
+                </a:solidFill>
+                <a:latin typeface="Arial" pitchFamily="34" charset="0"/>
+                <a:cs typeface="Arial" pitchFamily="34" charset="0"/>
+              </a:rPr>
+              <a:t>un valor: </a:t>
+            </a:r>
+            <a:r>
+              <a:rPr lang="es-MX" sz="2100" b="1" dirty="0">
+                <a:solidFill>
+                  <a:schemeClr val="bg2">
+                    <a:lumMod val="25000"/>
+                  </a:schemeClr>
+                </a:solidFill>
+                <a:latin typeface="Arial" pitchFamily="34" charset="0"/>
+                <a:cs typeface="Arial" pitchFamily="34" charset="0"/>
+              </a:rPr>
+              <a:t>"))</a:t>
             </a:r>
           </a:p>
           <a:p>
@@ -8702,7 +8708,7 @@
             <a:r>
               <a:rPr lang="es-ES_tradnl" sz="4400" b="1" dirty="0">
                 <a:solidFill>
-                  <a:srgbClr val="D60093"/>
+                  <a:srgbClr val="CC0066"/>
                 </a:solidFill>
                 <a:effectLst>
                   <a:outerShdw blurRad="38100" dist="38100" dir="2700000" algn="tl">
@@ -8711,7 +8717,7 @@
                 </a:effectLst>
                 <a:latin typeface="Dom Casual" charset="0"/>
               </a:rPr>
-              <a:t>Actividad colaborativa</a:t>
+              <a:t>Actividad individual</a:t>
             </a:r>
           </a:p>
         </p:txBody>
@@ -9265,7 +9271,7 @@
                 <a:latin typeface="Arial" pitchFamily="34" charset="0"/>
                 <a:cs typeface="Arial" pitchFamily="34" charset="0"/>
               </a:rPr>
-              <a:t>(x, y, z)</a:t>
+              <a:t>(x, y, z):</a:t>
             </a:r>
           </a:p>
           <a:p>
@@ -9900,7 +9906,7 @@
                 <a:latin typeface="Arial" pitchFamily="34" charset="0"/>
                 <a:cs typeface="Arial" pitchFamily="34" charset="0"/>
               </a:rPr>
-              <a:t>(input("Introduce el valor de x: "))</a:t>
+              <a:t>(input("Introduce un valor: "))</a:t>
             </a:r>
           </a:p>
           <a:p>
@@ -9949,7 +9955,7 @@
                 <a:latin typeface="Arial" pitchFamily="34" charset="0"/>
                 <a:cs typeface="Arial" pitchFamily="34" charset="0"/>
               </a:rPr>
-              <a:t>(input("Introduce el valor de y: "))</a:t>
+              <a:t>(input("Introduce un valor: "))</a:t>
             </a:r>
           </a:p>
           <a:p>
@@ -9998,7 +10004,7 @@
                 <a:latin typeface="Arial" pitchFamily="34" charset="0"/>
                 <a:cs typeface="Arial" pitchFamily="34" charset="0"/>
               </a:rPr>
-              <a:t>(input("Introduce el valor de z: "))</a:t>
+              <a:t>(input("Introduce un valor: "))</a:t>
             </a:r>
           </a:p>
           <a:p>

--- a/calendario/documentos/5_Funciones.pptx
+++ b/calendario/documentos/5_Funciones.pptx
@@ -226,7 +226,7 @@
           <a:p>
             <a:fld id="{DDE721D5-655F-45D2-B717-3C4CD78C8568}" type="datetimeFigureOut">
               <a:rPr lang="es-MX" smtClean="0"/>
-              <a:t>05/09/2019</a:t>
+              <a:t>06/09/2019</a:t>
             </a:fld>
             <a:endParaRPr lang="es-MX" dirty="0"/>
           </a:p>
@@ -843,7 +843,7 @@
           <a:p>
             <a:fld id="{B3F3E716-CACC-4490-AD07-F24B6A68DE47}" type="datetimeFigureOut">
               <a:rPr lang="es-MX" smtClean="0"/>
-              <a:t>05/09/2019</a:t>
+              <a:t>06/09/2019</a:t>
             </a:fld>
             <a:endParaRPr lang="es-MX" dirty="0"/>
           </a:p>
@@ -1013,7 +1013,7 @@
           <a:p>
             <a:fld id="{B3F3E716-CACC-4490-AD07-F24B6A68DE47}" type="datetimeFigureOut">
               <a:rPr lang="es-MX" smtClean="0"/>
-              <a:t>05/09/2019</a:t>
+              <a:t>06/09/2019</a:t>
             </a:fld>
             <a:endParaRPr lang="es-MX" dirty="0"/>
           </a:p>
@@ -1193,7 +1193,7 @@
           <a:p>
             <a:fld id="{B3F3E716-CACC-4490-AD07-F24B6A68DE47}" type="datetimeFigureOut">
               <a:rPr lang="es-MX" smtClean="0"/>
-              <a:t>05/09/2019</a:t>
+              <a:t>06/09/2019</a:t>
             </a:fld>
             <a:endParaRPr lang="es-MX" dirty="0"/>
           </a:p>
@@ -1363,7 +1363,7 @@
           <a:p>
             <a:fld id="{B3F3E716-CACC-4490-AD07-F24B6A68DE47}" type="datetimeFigureOut">
               <a:rPr lang="es-MX" smtClean="0"/>
-              <a:t>05/09/2019</a:t>
+              <a:t>06/09/2019</a:t>
             </a:fld>
             <a:endParaRPr lang="es-MX" dirty="0"/>
           </a:p>
@@ -1609,7 +1609,7 @@
           <a:p>
             <a:fld id="{B3F3E716-CACC-4490-AD07-F24B6A68DE47}" type="datetimeFigureOut">
               <a:rPr lang="es-MX" smtClean="0"/>
-              <a:t>05/09/2019</a:t>
+              <a:t>06/09/2019</a:t>
             </a:fld>
             <a:endParaRPr lang="es-MX" dirty="0"/>
           </a:p>
@@ -1897,7 +1897,7 @@
           <a:p>
             <a:fld id="{B3F3E716-CACC-4490-AD07-F24B6A68DE47}" type="datetimeFigureOut">
               <a:rPr lang="es-MX" smtClean="0"/>
-              <a:t>05/09/2019</a:t>
+              <a:t>06/09/2019</a:t>
             </a:fld>
             <a:endParaRPr lang="es-MX" dirty="0"/>
           </a:p>
@@ -2319,7 +2319,7 @@
           <a:p>
             <a:fld id="{B3F3E716-CACC-4490-AD07-F24B6A68DE47}" type="datetimeFigureOut">
               <a:rPr lang="es-MX" smtClean="0"/>
-              <a:t>05/09/2019</a:t>
+              <a:t>06/09/2019</a:t>
             </a:fld>
             <a:endParaRPr lang="es-MX" dirty="0"/>
           </a:p>
@@ -2437,7 +2437,7 @@
           <a:p>
             <a:fld id="{B3F3E716-CACC-4490-AD07-F24B6A68DE47}" type="datetimeFigureOut">
               <a:rPr lang="es-MX" smtClean="0"/>
-              <a:t>05/09/2019</a:t>
+              <a:t>06/09/2019</a:t>
             </a:fld>
             <a:endParaRPr lang="es-MX" dirty="0"/>
           </a:p>
@@ -2532,7 +2532,7 @@
           <a:p>
             <a:fld id="{B3F3E716-CACC-4490-AD07-F24B6A68DE47}" type="datetimeFigureOut">
               <a:rPr lang="es-MX" smtClean="0"/>
-              <a:t>05/09/2019</a:t>
+              <a:t>06/09/2019</a:t>
             </a:fld>
             <a:endParaRPr lang="es-MX" dirty="0"/>
           </a:p>
@@ -2809,7 +2809,7 @@
           <a:p>
             <a:fld id="{B3F3E716-CACC-4490-AD07-F24B6A68DE47}" type="datetimeFigureOut">
               <a:rPr lang="es-MX" smtClean="0"/>
-              <a:t>05/09/2019</a:t>
+              <a:t>06/09/2019</a:t>
             </a:fld>
             <a:endParaRPr lang="es-MX" dirty="0"/>
           </a:p>
@@ -3062,7 +3062,7 @@
           <a:p>
             <a:fld id="{B3F3E716-CACC-4490-AD07-F24B6A68DE47}" type="datetimeFigureOut">
               <a:rPr lang="es-MX" smtClean="0"/>
-              <a:t>05/09/2019</a:t>
+              <a:t>06/09/2019</a:t>
             </a:fld>
             <a:endParaRPr lang="es-MX" dirty="0"/>
           </a:p>
@@ -3275,7 +3275,7 @@
           <a:p>
             <a:fld id="{B3F3E716-CACC-4490-AD07-F24B6A68DE47}" type="datetimeFigureOut">
               <a:rPr lang="es-MX" smtClean="0"/>
-              <a:t>05/09/2019</a:t>
+              <a:t>06/09/2019</a:t>
             </a:fld>
             <a:endParaRPr lang="es-MX" dirty="0"/>
           </a:p>
@@ -15125,7 +15125,7 @@
                                           </p:stCondLst>
                                         </p:cTn>
                                         <p:tgtEl>
-                                          <p:spTgt spid="161795">
+                                          <p:spTgt spid="6">
                                             <p:txEl>
                                               <p:pRg st="0" end="0"/>
                                             </p:txEl>
@@ -15143,7 +15143,7 @@
                                       <p:cBhvr>
                                         <p:cTn id="7" dur="500"/>
                                         <p:tgtEl>
-                                          <p:spTgt spid="161795">
+                                          <p:spTgt spid="6">
                                             <p:txEl>
                                               <p:pRg st="0" end="0"/>
                                             </p:txEl>
@@ -15209,7 +15209,7 @@
                                           </p:stCondLst>
                                         </p:cTn>
                                         <p:tgtEl>
-                                          <p:spTgt spid="6">
+                                          <p:spTgt spid="161795">
                                             <p:txEl>
                                               <p:pRg st="0" end="0"/>
                                             </p:txEl>
@@ -15227,7 +15227,7 @@
                                       <p:cBhvr>
                                         <p:cTn id="12" dur="500"/>
                                         <p:tgtEl>
-                                          <p:spTgt spid="6">
+                                          <p:spTgt spid="161795">
                                             <p:txEl>
                                               <p:pRg st="0" end="0"/>
                                             </p:txEl>
@@ -15877,31 +15877,7 @@
                 <a:latin typeface="Arial" pitchFamily="34" charset="0"/>
                 <a:cs typeface="Arial" pitchFamily="34" charset="0"/>
               </a:rPr>
-              <a:t> </a:t>
-            </a:r>
-          </a:p>
-          <a:p>
-            <a:pPr marL="819150" lvl="1" algn="just" eaLnBrk="1" hangingPunct="1">
-              <a:lnSpc>
-                <a:spcPts val="3500"/>
-              </a:lnSpc>
-              <a:spcBef>
-                <a:spcPct val="0"/>
-              </a:spcBef>
-              <a:buFontTx/>
-              <a:buNone/>
-            </a:pPr>
-            <a:r>
-              <a:rPr lang="es-ES_tradnl" sz="2000" b="1" dirty="0">
-                <a:solidFill>
-                  <a:schemeClr val="bg2">
-                    <a:lumMod val="25000"/>
-                  </a:schemeClr>
-                </a:solidFill>
-                <a:latin typeface="Arial" pitchFamily="34" charset="0"/>
-                <a:cs typeface="Arial" pitchFamily="34" charset="0"/>
-              </a:rPr>
-              <a:t>x = </a:t>
+              <a:t> x = </a:t>
             </a:r>
             <a:r>
               <a:rPr lang="es-ES_tradnl" sz="2000" b="1" dirty="0">
@@ -16871,114 +16847,6 @@
                                           <p:stCondLst>
                                             <p:cond evt="begin" delay="0">
                                               <p:tn val="23"/>
-                                            </p:cond>
-                                          </p:stCondLst>
-                                          <p:endCondLst>
-                                            <p:cond evt="onStopAudio" delay="0">
-                                              <p:tgtEl>
-                                                <p:sldTgt/>
-                                              </p:tgtEl>
-                                            </p:cond>
-                                          </p:endCondLst>
-                                        </p:cTn>
-                                        <p:tgtEl>
-                                          <p:sndTgt r:embed="rId2" name="LATIGO.WAV"/>
-                                        </p:tgtEl>
-                                      </p:cMediaNode>
-                                    </p:audio>
-                                  </p:subTnLst>
-                                </p:cTn>
-                              </p:par>
-                              <p:par>
-                                <p:cTn id="27" presetID="2" presetClass="entr" presetSubtype="8" fill="hold" grpId="0" nodeType="withEffect">
-                                  <p:stCondLst>
-                                    <p:cond delay="0"/>
-                                  </p:stCondLst>
-                                  <p:childTnLst>
-                                    <p:set>
-                                      <p:cBhvr>
-                                        <p:cTn id="28" dur="1" fill="hold">
-                                          <p:stCondLst>
-                                            <p:cond delay="0"/>
-                                          </p:stCondLst>
-                                        </p:cTn>
-                                        <p:tgtEl>
-                                          <p:spTgt spid="163843">
-                                            <p:txEl>
-                                              <p:pRg st="5" end="5"/>
-                                            </p:txEl>
-                                          </p:spTgt>
-                                        </p:tgtEl>
-                                        <p:attrNameLst>
-                                          <p:attrName>style.visibility</p:attrName>
-                                        </p:attrNameLst>
-                                      </p:cBhvr>
-                                      <p:to>
-                                        <p:strVal val="visible"/>
-                                      </p:to>
-                                    </p:set>
-                                    <p:anim calcmode="lin" valueType="num">
-                                      <p:cBhvr additive="base">
-                                        <p:cTn id="29" dur="500" fill="hold"/>
-                                        <p:tgtEl>
-                                          <p:spTgt spid="163843">
-                                            <p:txEl>
-                                              <p:pRg st="5" end="5"/>
-                                            </p:txEl>
-                                          </p:spTgt>
-                                        </p:tgtEl>
-                                        <p:attrNameLst>
-                                          <p:attrName>ppt_x</p:attrName>
-                                        </p:attrNameLst>
-                                      </p:cBhvr>
-                                      <p:tavLst>
-                                        <p:tav tm="0">
-                                          <p:val>
-                                            <p:strVal val="0-#ppt_w/2"/>
-                                          </p:val>
-                                        </p:tav>
-                                        <p:tav tm="100000">
-                                          <p:val>
-                                            <p:strVal val="#ppt_x"/>
-                                          </p:val>
-                                        </p:tav>
-                                      </p:tavLst>
-                                    </p:anim>
-                                    <p:anim calcmode="lin" valueType="num">
-                                      <p:cBhvr additive="base">
-                                        <p:cTn id="30" dur="500" fill="hold"/>
-                                        <p:tgtEl>
-                                          <p:spTgt spid="163843">
-                                            <p:txEl>
-                                              <p:pRg st="5" end="5"/>
-                                            </p:txEl>
-                                          </p:spTgt>
-                                        </p:tgtEl>
-                                        <p:attrNameLst>
-                                          <p:attrName>ppt_y</p:attrName>
-                                        </p:attrNameLst>
-                                      </p:cBhvr>
-                                      <p:tavLst>
-                                        <p:tav tm="0">
-                                          <p:val>
-                                            <p:strVal val="#ppt_y"/>
-                                          </p:val>
-                                        </p:tav>
-                                        <p:tav tm="100000">
-                                          <p:val>
-                                            <p:strVal val="#ppt_y"/>
-                                          </p:val>
-                                        </p:tav>
-                                      </p:tavLst>
-                                    </p:anim>
-                                  </p:childTnLst>
-                                  <p:subTnLst>
-                                    <p:audio>
-                                      <p:cMediaNode>
-                                        <p:cTn display="0" masterRel="sameClick">
-                                          <p:stCondLst>
-                                            <p:cond evt="begin" delay="0">
-                                              <p:tn val="27"/>
                                             </p:cond>
                                           </p:stCondLst>
                                           <p:endCondLst>

--- a/calendario/documentos/5_Funciones.pptx
+++ b/calendario/documentos/5_Funciones.pptx
@@ -5,7 +5,7 @@
     <p:sldMasterId id="2147483648" r:id="rId1"/>
   </p:sldMasterIdLst>
   <p:notesMasterIdLst>
-    <p:notesMasterId r:id="rId21"/>
+    <p:notesMasterId r:id="rId22"/>
   </p:notesMasterIdLst>
   <p:sldIdLst>
     <p:sldId id="289" r:id="rId2"/>
@@ -20,13 +20,14 @@
     <p:sldId id="267" r:id="rId11"/>
     <p:sldId id="268" r:id="rId12"/>
     <p:sldId id="285" r:id="rId13"/>
-    <p:sldId id="272" r:id="rId14"/>
-    <p:sldId id="287" r:id="rId15"/>
-    <p:sldId id="280" r:id="rId16"/>
-    <p:sldId id="281" r:id="rId17"/>
-    <p:sldId id="291" r:id="rId18"/>
-    <p:sldId id="290" r:id="rId19"/>
-    <p:sldId id="292" r:id="rId20"/>
+    <p:sldId id="270" r:id="rId14"/>
+    <p:sldId id="272" r:id="rId15"/>
+    <p:sldId id="287" r:id="rId16"/>
+    <p:sldId id="280" r:id="rId17"/>
+    <p:sldId id="281" r:id="rId18"/>
+    <p:sldId id="291" r:id="rId19"/>
+    <p:sldId id="290" r:id="rId20"/>
+    <p:sldId id="292" r:id="rId21"/>
   </p:sldIdLst>
   <p:sldSz cx="9144000" cy="6858000" type="screen4x3"/>
   <p:notesSz cx="6858000" cy="9144000"/>
@@ -226,7 +227,7 @@
           <a:p>
             <a:fld id="{DDE721D5-655F-45D2-B717-3C4CD78C8568}" type="datetimeFigureOut">
               <a:rPr lang="es-MX" smtClean="0"/>
-              <a:t>06/09/2019</a:t>
+              <a:t>09/09/2019</a:t>
             </a:fld>
             <a:endParaRPr lang="es-MX" dirty="0"/>
           </a:p>
@@ -843,7 +844,7 @@
           <a:p>
             <a:fld id="{B3F3E716-CACC-4490-AD07-F24B6A68DE47}" type="datetimeFigureOut">
               <a:rPr lang="es-MX" smtClean="0"/>
-              <a:t>06/09/2019</a:t>
+              <a:t>09/09/2019</a:t>
             </a:fld>
             <a:endParaRPr lang="es-MX" dirty="0"/>
           </a:p>
@@ -1013,7 +1014,7 @@
           <a:p>
             <a:fld id="{B3F3E716-CACC-4490-AD07-F24B6A68DE47}" type="datetimeFigureOut">
               <a:rPr lang="es-MX" smtClean="0"/>
-              <a:t>06/09/2019</a:t>
+              <a:t>09/09/2019</a:t>
             </a:fld>
             <a:endParaRPr lang="es-MX" dirty="0"/>
           </a:p>
@@ -1193,7 +1194,7 @@
           <a:p>
             <a:fld id="{B3F3E716-CACC-4490-AD07-F24B6A68DE47}" type="datetimeFigureOut">
               <a:rPr lang="es-MX" smtClean="0"/>
-              <a:t>06/09/2019</a:t>
+              <a:t>09/09/2019</a:t>
             </a:fld>
             <a:endParaRPr lang="es-MX" dirty="0"/>
           </a:p>
@@ -1363,7 +1364,7 @@
           <a:p>
             <a:fld id="{B3F3E716-CACC-4490-AD07-F24B6A68DE47}" type="datetimeFigureOut">
               <a:rPr lang="es-MX" smtClean="0"/>
-              <a:t>06/09/2019</a:t>
+              <a:t>09/09/2019</a:t>
             </a:fld>
             <a:endParaRPr lang="es-MX" dirty="0"/>
           </a:p>
@@ -1609,7 +1610,7 @@
           <a:p>
             <a:fld id="{B3F3E716-CACC-4490-AD07-F24B6A68DE47}" type="datetimeFigureOut">
               <a:rPr lang="es-MX" smtClean="0"/>
-              <a:t>06/09/2019</a:t>
+              <a:t>09/09/2019</a:t>
             </a:fld>
             <a:endParaRPr lang="es-MX" dirty="0"/>
           </a:p>
@@ -1897,7 +1898,7 @@
           <a:p>
             <a:fld id="{B3F3E716-CACC-4490-AD07-F24B6A68DE47}" type="datetimeFigureOut">
               <a:rPr lang="es-MX" smtClean="0"/>
-              <a:t>06/09/2019</a:t>
+              <a:t>09/09/2019</a:t>
             </a:fld>
             <a:endParaRPr lang="es-MX" dirty="0"/>
           </a:p>
@@ -2319,7 +2320,7 @@
           <a:p>
             <a:fld id="{B3F3E716-CACC-4490-AD07-F24B6A68DE47}" type="datetimeFigureOut">
               <a:rPr lang="es-MX" smtClean="0"/>
-              <a:t>06/09/2019</a:t>
+              <a:t>09/09/2019</a:t>
             </a:fld>
             <a:endParaRPr lang="es-MX" dirty="0"/>
           </a:p>
@@ -2437,7 +2438,7 @@
           <a:p>
             <a:fld id="{B3F3E716-CACC-4490-AD07-F24B6A68DE47}" type="datetimeFigureOut">
               <a:rPr lang="es-MX" smtClean="0"/>
-              <a:t>06/09/2019</a:t>
+              <a:t>09/09/2019</a:t>
             </a:fld>
             <a:endParaRPr lang="es-MX" dirty="0"/>
           </a:p>
@@ -2532,7 +2533,7 @@
           <a:p>
             <a:fld id="{B3F3E716-CACC-4490-AD07-F24B6A68DE47}" type="datetimeFigureOut">
               <a:rPr lang="es-MX" smtClean="0"/>
-              <a:t>06/09/2019</a:t>
+              <a:t>09/09/2019</a:t>
             </a:fld>
             <a:endParaRPr lang="es-MX" dirty="0"/>
           </a:p>
@@ -2809,7 +2810,7 @@
           <a:p>
             <a:fld id="{B3F3E716-CACC-4490-AD07-F24B6A68DE47}" type="datetimeFigureOut">
               <a:rPr lang="es-MX" smtClean="0"/>
-              <a:t>06/09/2019</a:t>
+              <a:t>09/09/2019</a:t>
             </a:fld>
             <a:endParaRPr lang="es-MX" dirty="0"/>
           </a:p>
@@ -3062,7 +3063,7 @@
           <a:p>
             <a:fld id="{B3F3E716-CACC-4490-AD07-F24B6A68DE47}" type="datetimeFigureOut">
               <a:rPr lang="es-MX" smtClean="0"/>
-              <a:t>06/09/2019</a:t>
+              <a:t>09/09/2019</a:t>
             </a:fld>
             <a:endParaRPr lang="es-MX" dirty="0"/>
           </a:p>
@@ -3275,7 +3276,7 @@
           <a:p>
             <a:fld id="{B3F3E716-CACC-4490-AD07-F24B6A68DE47}" type="datetimeFigureOut">
               <a:rPr lang="es-MX" smtClean="0"/>
-              <a:t>06/09/2019</a:t>
+              <a:t>09/09/2019</a:t>
             </a:fld>
             <a:endParaRPr lang="es-MX" dirty="0"/>
           </a:p>
@@ -5452,7 +5453,7 @@
                   </a:schemeClr>
                 </a:solidFill>
               </a:rPr>
-              <a:t>Definir el programa en Python que </a:t>
+              <a:t>Definir el algoritmo y el programa en Python que </a:t>
             </a:r>
             <a:r>
               <a:rPr lang="es-MX" sz="2800" b="1" dirty="0">
@@ -5687,6 +5688,465 @@
       </p:grpSpPr>
       <p:sp>
         <p:nvSpPr>
+          <p:cNvPr id="8" name="Rectangle 2">
+            <a:extLst>
+              <a:ext uri="{FF2B5EF4-FFF2-40B4-BE49-F238E27FC236}">
+                <a16:creationId xmlns:a16="http://schemas.microsoft.com/office/drawing/2014/main" id="{AA9ED494-984A-45F3-AAAF-C1C4E55376BC}"/>
+              </a:ext>
+            </a:extLst>
+          </p:cNvPr>
+          <p:cNvSpPr>
+            <a:spLocks noChangeArrowheads="1"/>
+          </p:cNvSpPr>
+          <p:nvPr/>
+        </p:nvSpPr>
+        <p:spPr bwMode="auto">
+          <a:xfrm>
+            <a:off x="1979712" y="2204864"/>
+            <a:ext cx="4248472" cy="1800200"/>
+          </a:xfrm>
+          <a:prstGeom prst="rect">
+            <a:avLst/>
+          </a:prstGeom>
+          <a:noFill/>
+          <a:ln w="12700">
+            <a:solidFill>
+              <a:schemeClr val="tx1"/>
+            </a:solidFill>
+            <a:miter lim="800000"/>
+            <a:headEnd type="none" w="sm" len="sm"/>
+            <a:tailEnd type="none" w="sm" len="sm"/>
+          </a:ln>
+          <a:effectLst/>
+        </p:spPr>
+        <p:txBody>
+          <a:bodyPr wrap="none" anchor="ctr"/>
+          <a:lstStyle/>
+          <a:p>
+            <a:endParaRPr lang="es-MX" dirty="0"/>
+          </a:p>
+        </p:txBody>
+      </p:sp>
+      <p:sp>
+        <p:nvSpPr>
+          <p:cNvPr id="167941" name="Rectangle 5"/>
+          <p:cNvSpPr>
+            <a:spLocks noChangeArrowheads="1"/>
+          </p:cNvSpPr>
+          <p:nvPr/>
+        </p:nvSpPr>
+        <p:spPr bwMode="auto">
+          <a:xfrm>
+            <a:off x="2195737" y="2060849"/>
+            <a:ext cx="4032448" cy="1944216"/>
+          </a:xfrm>
+          <a:prstGeom prst="rect">
+            <a:avLst/>
+          </a:prstGeom>
+          <a:noFill/>
+          <a:ln>
+            <a:noFill/>
+          </a:ln>
+          <a:effectLst/>
+        </p:spPr>
+        <p:txBody>
+          <a:bodyPr lIns="92075" tIns="46038" rIns="92075" bIns="46038"/>
+          <a:lstStyle/>
+          <a:p>
+            <a:pPr marL="609600" indent="-609600">
+              <a:lnSpc>
+                <a:spcPct val="110000"/>
+              </a:lnSpc>
+              <a:spcBef>
+                <a:spcPct val="5000"/>
+              </a:spcBef>
+              <a:defRPr/>
+            </a:pPr>
+            <a:endParaRPr lang="es-ES_tradnl" sz="2400" b="1" dirty="0">
+              <a:solidFill>
+                <a:srgbClr val="000000"/>
+              </a:solidFill>
+              <a:latin typeface="Arial" pitchFamily="34" charset="0"/>
+              <a:cs typeface="Arial" pitchFamily="34" charset="0"/>
+            </a:endParaRPr>
+          </a:p>
+          <a:p>
+            <a:pPr marL="609600" indent="-609600">
+              <a:lnSpc>
+                <a:spcPts val="3800"/>
+              </a:lnSpc>
+              <a:spcBef>
+                <a:spcPct val="5000"/>
+              </a:spcBef>
+              <a:defRPr/>
+            </a:pPr>
+            <a:r>
+              <a:rPr lang="es-ES_tradnl" sz="2400" dirty="0">
+                <a:solidFill>
+                  <a:schemeClr val="bg2">
+                    <a:lumMod val="25000"/>
+                  </a:schemeClr>
+                </a:solidFill>
+                <a:latin typeface="Arial" pitchFamily="34" charset="0"/>
+                <a:cs typeface="Arial" pitchFamily="34" charset="0"/>
+              </a:rPr>
+              <a:t>función</a:t>
+            </a:r>
+            <a:r>
+              <a:rPr lang="es-ES_tradnl" sz="2400" dirty="0">
+                <a:solidFill>
+                  <a:srgbClr val="000000"/>
+                </a:solidFill>
+                <a:latin typeface="Arial" pitchFamily="34" charset="0"/>
+                <a:cs typeface="Arial" pitchFamily="34" charset="0"/>
+              </a:rPr>
+              <a:t> </a:t>
+            </a:r>
+            <a:r>
+              <a:rPr lang="es-ES_tradnl" sz="2400" b="1" dirty="0">
+                <a:solidFill>
+                  <a:srgbClr val="3333CC"/>
+                </a:solidFill>
+                <a:latin typeface="Arial" pitchFamily="34" charset="0"/>
+                <a:cs typeface="Arial" pitchFamily="34" charset="0"/>
+              </a:rPr>
+              <a:t>cuadrado</a:t>
+            </a:r>
+            <a:r>
+              <a:rPr lang="es-ES_tradnl" sz="2400" dirty="0">
+                <a:solidFill>
+                  <a:srgbClr val="000000"/>
+                </a:solidFill>
+                <a:latin typeface="Arial" pitchFamily="34" charset="0"/>
+                <a:cs typeface="Arial" pitchFamily="34" charset="0"/>
+              </a:rPr>
+              <a:t> </a:t>
+            </a:r>
+            <a:r>
+              <a:rPr lang="es-ES_tradnl" sz="2400" dirty="0">
+                <a:solidFill>
+                  <a:schemeClr val="bg2">
+                    <a:lumMod val="25000"/>
+                  </a:schemeClr>
+                </a:solidFill>
+                <a:latin typeface="Arial" pitchFamily="34" charset="0"/>
+                <a:cs typeface="Arial" pitchFamily="34" charset="0"/>
+              </a:rPr>
+              <a:t>(valor)</a:t>
+            </a:r>
+            <a:endParaRPr lang="es-ES_tradnl" sz="2400" dirty="0">
+              <a:solidFill>
+                <a:srgbClr val="000000"/>
+              </a:solidFill>
+              <a:latin typeface="Arial" pitchFamily="34" charset="0"/>
+              <a:cs typeface="Arial" pitchFamily="34" charset="0"/>
+            </a:endParaRPr>
+          </a:p>
+          <a:p>
+            <a:pPr marL="609600" indent="-609600">
+              <a:lnSpc>
+                <a:spcPts val="3800"/>
+              </a:lnSpc>
+              <a:spcBef>
+                <a:spcPct val="5000"/>
+              </a:spcBef>
+              <a:defRPr/>
+            </a:pPr>
+            <a:r>
+              <a:rPr lang="es-ES_tradnl" sz="2400" dirty="0">
+                <a:solidFill>
+                  <a:srgbClr val="000000"/>
+                </a:solidFill>
+                <a:latin typeface="Arial" pitchFamily="34" charset="0"/>
+                <a:cs typeface="Arial" pitchFamily="34" charset="0"/>
+              </a:rPr>
+              <a:t>   </a:t>
+            </a:r>
+            <a:r>
+              <a:rPr lang="es-ES_tradnl" sz="2400" b="1" dirty="0">
+                <a:solidFill>
+                  <a:srgbClr val="3333CC"/>
+                </a:solidFill>
+                <a:latin typeface="Arial" pitchFamily="34" charset="0"/>
+                <a:cs typeface="Arial" pitchFamily="34" charset="0"/>
+              </a:rPr>
+              <a:t>regresar </a:t>
+            </a:r>
+            <a:r>
+              <a:rPr lang="es-ES_tradnl" sz="2400" dirty="0">
+                <a:solidFill>
+                  <a:schemeClr val="bg2">
+                    <a:lumMod val="25000"/>
+                  </a:schemeClr>
+                </a:solidFill>
+                <a:latin typeface="Arial" pitchFamily="34" charset="0"/>
+                <a:cs typeface="Arial" pitchFamily="34" charset="0"/>
+              </a:rPr>
+              <a:t>(valor*valor)</a:t>
+            </a:r>
+          </a:p>
+          <a:p>
+            <a:pPr marL="609600" indent="-609600">
+              <a:lnSpc>
+                <a:spcPts val="3800"/>
+              </a:lnSpc>
+              <a:spcBef>
+                <a:spcPct val="5000"/>
+              </a:spcBef>
+              <a:defRPr/>
+            </a:pPr>
+            <a:endParaRPr lang="es-ES_tradnl" sz="2400" dirty="0">
+              <a:solidFill>
+                <a:srgbClr val="000000"/>
+              </a:solidFill>
+              <a:latin typeface="Arial" pitchFamily="34" charset="0"/>
+              <a:cs typeface="Arial" pitchFamily="34" charset="0"/>
+            </a:endParaRPr>
+          </a:p>
+        </p:txBody>
+      </p:sp>
+      <p:pic>
+        <p:nvPicPr>
+          <p:cNvPr id="5" name="Picture 5"/>
+          <p:cNvPicPr>
+            <a:picLocks noChangeAspect="1" noChangeArrowheads="1"/>
+          </p:cNvPicPr>
+          <p:nvPr/>
+        </p:nvPicPr>
+        <p:blipFill>
+          <a:blip r:embed="rId2">
+            <a:extLst>
+              <a:ext uri="{28A0092B-C50C-407E-A947-70E740481C1C}">
+                <a14:useLocalDpi xmlns:a14="http://schemas.microsoft.com/office/drawing/2010/main" val="0"/>
+              </a:ext>
+            </a:extLst>
+          </a:blip>
+          <a:srcRect/>
+          <a:stretch>
+            <a:fillRect/>
+          </a:stretch>
+        </p:blipFill>
+        <p:spPr bwMode="auto">
+          <a:xfrm>
+            <a:off x="6547637" y="4227160"/>
+            <a:ext cx="2272835" cy="1506096"/>
+          </a:xfrm>
+          <a:prstGeom prst="rect">
+            <a:avLst/>
+          </a:prstGeom>
+          <a:noFill/>
+          <a:ln>
+            <a:noFill/>
+          </a:ln>
+          <a:extLst>
+            <a:ext uri="{909E8E84-426E-40DD-AFC4-6F175D3DCCD1}">
+              <a14:hiddenFill xmlns:a14="http://schemas.microsoft.com/office/drawing/2010/main">
+                <a:solidFill>
+                  <a:schemeClr val="accent1"/>
+                </a:solidFill>
+              </a14:hiddenFill>
+            </a:ext>
+            <a:ext uri="{91240B29-F687-4F45-9708-019B960494DF}">
+              <a14:hiddenLine xmlns:a14="http://schemas.microsoft.com/office/drawing/2010/main" w="9525">
+                <a:solidFill>
+                  <a:schemeClr val="tx1"/>
+                </a:solidFill>
+                <a:miter lim="800000"/>
+                <a:headEnd/>
+                <a:tailEnd/>
+              </a14:hiddenLine>
+            </a:ext>
+          </a:extLst>
+        </p:spPr>
+      </p:pic>
+      <p:sp>
+        <p:nvSpPr>
+          <p:cNvPr id="6" name="Rectangle 2"/>
+          <p:cNvSpPr>
+            <a:spLocks noChangeArrowheads="1"/>
+          </p:cNvSpPr>
+          <p:nvPr/>
+        </p:nvSpPr>
+        <p:spPr bwMode="auto">
+          <a:xfrm>
+            <a:off x="6444208" y="5735067"/>
+            <a:ext cx="2592288" cy="1006301"/>
+          </a:xfrm>
+          <a:prstGeom prst="rect">
+            <a:avLst/>
+          </a:prstGeom>
+          <a:noFill/>
+          <a:ln>
+            <a:noFill/>
+          </a:ln>
+          <a:effectLst/>
+          <a:extLst>
+            <a:ext uri="{909E8E84-426E-40DD-AFC4-6F175D3DCCD1}">
+              <a14:hiddenFill xmlns:a14="http://schemas.microsoft.com/office/drawing/2010/main">
+                <a:solidFill>
+                  <a:schemeClr val="accent1"/>
+                </a:solidFill>
+              </a14:hiddenFill>
+            </a:ext>
+            <a:ext uri="{91240B29-F687-4F45-9708-019B960494DF}">
+              <a14:hiddenLine xmlns:a14="http://schemas.microsoft.com/office/drawing/2010/main" w="9525">
+                <a:solidFill>
+                  <a:schemeClr val="tx1"/>
+                </a:solidFill>
+                <a:miter lim="800000"/>
+                <a:headEnd/>
+                <a:tailEnd/>
+              </a14:hiddenLine>
+            </a:ext>
+            <a:ext uri="{AF507438-7753-43E0-B8FC-AC1667EBCBE1}">
+              <a14:hiddenEffects xmlns:a14="http://schemas.microsoft.com/office/drawing/2010/main">
+                <a:effectLst>
+                  <a:outerShdw dist="35921" dir="2700000" algn="ctr" rotWithShape="0">
+                    <a:schemeClr val="bg2"/>
+                  </a:outerShdw>
+                </a:effectLst>
+              </a14:hiddenEffects>
+            </a:ext>
+          </a:extLst>
+        </p:spPr>
+        <p:txBody>
+          <a:bodyPr lIns="92075" tIns="46038" rIns="92075" bIns="46038" anchor="ctr"/>
+          <a:lstStyle/>
+          <a:p>
+            <a:pPr algn="ctr" eaLnBrk="0" hangingPunct="0">
+              <a:defRPr/>
+            </a:pPr>
+            <a:r>
+              <a:rPr lang="es-ES_tradnl" sz="3600" b="1" dirty="0">
+                <a:solidFill>
+                  <a:srgbClr val="0070C0"/>
+                </a:solidFill>
+                <a:effectLst>
+                  <a:outerShdw blurRad="38100" dist="38100" dir="2700000" algn="tl">
+                    <a:srgbClr val="C0C0C0"/>
+                  </a:outerShdw>
+                </a:effectLst>
+                <a:latin typeface="Dom Casual" charset="0"/>
+              </a:rPr>
+              <a:t>Solución</a:t>
+            </a:r>
+          </a:p>
+        </p:txBody>
+      </p:sp>
+      <p:sp>
+        <p:nvSpPr>
+          <p:cNvPr id="7" name="Rectangle 2">
+            <a:extLst>
+              <a:ext uri="{FF2B5EF4-FFF2-40B4-BE49-F238E27FC236}">
+                <a16:creationId xmlns:a16="http://schemas.microsoft.com/office/drawing/2014/main" id="{9EC02842-8974-4080-855A-6FE5B644D13C}"/>
+              </a:ext>
+            </a:extLst>
+          </p:cNvPr>
+          <p:cNvSpPr>
+            <a:spLocks noChangeArrowheads="1"/>
+          </p:cNvSpPr>
+          <p:nvPr/>
+        </p:nvSpPr>
+        <p:spPr bwMode="auto">
+          <a:xfrm>
+            <a:off x="669925" y="372194"/>
+            <a:ext cx="7772400" cy="1544638"/>
+          </a:xfrm>
+          <a:prstGeom prst="rect">
+            <a:avLst/>
+          </a:prstGeom>
+          <a:noFill/>
+          <a:ln>
+            <a:noFill/>
+          </a:ln>
+          <a:effectLst/>
+          <a:extLst>
+            <a:ext uri="{909E8E84-426E-40DD-AFC4-6F175D3DCCD1}">
+              <a14:hiddenFill xmlns:a14="http://schemas.microsoft.com/office/drawing/2010/main">
+                <a:solidFill>
+                  <a:schemeClr val="accent1"/>
+                </a:solidFill>
+              </a14:hiddenFill>
+            </a:ext>
+            <a:ext uri="{91240B29-F687-4F45-9708-019B960494DF}">
+              <a14:hiddenLine xmlns:a14="http://schemas.microsoft.com/office/drawing/2010/main" w="9525">
+                <a:solidFill>
+                  <a:schemeClr val="tx1"/>
+                </a:solidFill>
+                <a:miter lim="800000"/>
+                <a:headEnd/>
+                <a:tailEnd/>
+              </a14:hiddenLine>
+            </a:ext>
+            <a:ext uri="{AF507438-7753-43E0-B8FC-AC1667EBCBE1}">
+              <a14:hiddenEffects xmlns:a14="http://schemas.microsoft.com/office/drawing/2010/main">
+                <a:effectLst>
+                  <a:outerShdw dist="35921" dir="2700000" algn="ctr" rotWithShape="0">
+                    <a:schemeClr val="bg2"/>
+                  </a:outerShdw>
+                </a:effectLst>
+              </a14:hiddenEffects>
+            </a:ext>
+          </a:extLst>
+        </p:spPr>
+        <p:txBody>
+          <a:bodyPr lIns="92075" tIns="46038" rIns="92075" bIns="46038" anchor="ctr"/>
+          <a:lstStyle/>
+          <a:p>
+            <a:pPr algn="ctr" eaLnBrk="0" hangingPunct="0">
+              <a:defRPr/>
+            </a:pPr>
+            <a:r>
+              <a:rPr lang="es-ES_tradnl" sz="4400" b="1" dirty="0">
+                <a:solidFill>
+                  <a:schemeClr val="accent4">
+                    <a:lumMod val="75000"/>
+                  </a:schemeClr>
+                </a:solidFill>
+                <a:effectLst>
+                  <a:outerShdw blurRad="38100" dist="38100" dir="2700000" algn="tl">
+                    <a:srgbClr val="C0C0C0"/>
+                  </a:outerShdw>
+                </a:effectLst>
+                <a:latin typeface="Dom Casual" charset="0"/>
+              </a:rPr>
+              <a:t>Algoritmo: Función cuadrado</a:t>
+            </a:r>
+          </a:p>
+        </p:txBody>
+      </p:sp>
+    </p:spTree>
+    <p:extLst>
+      <p:ext uri="{BB962C8B-B14F-4D97-AF65-F5344CB8AC3E}">
+        <p14:creationId xmlns:p14="http://schemas.microsoft.com/office/powerpoint/2010/main" val="1814824543"/>
+      </p:ext>
+    </p:extLst>
+  </p:cSld>
+  <p:clrMapOvr>
+    <a:masterClrMapping/>
+  </p:clrMapOvr>
+</p:sld>
+</file>
+
+<file path=ppt/slides/slide14.xml><?xml version="1.0" encoding="utf-8"?>
+<p:sld xmlns:a="http://schemas.openxmlformats.org/drawingml/2006/main" xmlns:r="http://schemas.openxmlformats.org/officeDocument/2006/relationships" xmlns:p="http://schemas.openxmlformats.org/presentationml/2006/main">
+  <p:cSld>
+    <p:spTree>
+      <p:nvGrpSpPr>
+        <p:cNvPr id="1" name=""/>
+        <p:cNvGrpSpPr/>
+        <p:nvPr/>
+      </p:nvGrpSpPr>
+      <p:grpSpPr>
+        <a:xfrm>
+          <a:off x="0" y="0"/>
+          <a:ext cx="0" cy="0"/>
+          <a:chOff x="0" y="0"/>
+          <a:chExt cx="0" cy="0"/>
+        </a:xfrm>
+      </p:grpSpPr>
+      <p:sp>
+        <p:nvSpPr>
           <p:cNvPr id="17410" name="Rectangle 13"/>
           <p:cNvSpPr>
             <a:spLocks noChangeArrowheads="1"/>
@@ -7020,7 +7480,7 @@
 </p:sld>
 </file>
 
-<file path=ppt/slides/slide14.xml><?xml version="1.0" encoding="utf-8"?>
+<file path=ppt/slides/slide15.xml><?xml version="1.0" encoding="utf-8"?>
 <p:sld xmlns:a="http://schemas.openxmlformats.org/drawingml/2006/main" xmlns:r="http://schemas.openxmlformats.org/officeDocument/2006/relationships" xmlns:p="http://schemas.openxmlformats.org/presentationml/2006/main">
   <p:cSld>
     <p:spTree>
@@ -7387,7 +7847,7 @@
 </p:sld>
 </file>
 
-<file path=ppt/slides/slide15.xml><?xml version="1.0" encoding="utf-8"?>
+<file path=ppt/slides/slide16.xml><?xml version="1.0" encoding="utf-8"?>
 <p:sld xmlns:a="http://schemas.openxmlformats.org/drawingml/2006/main" xmlns:r="http://schemas.openxmlformats.org/officeDocument/2006/relationships" xmlns:p="http://schemas.openxmlformats.org/presentationml/2006/main">
   <p:cSld>
     <p:spTree>
@@ -8013,7 +8473,7 @@
 </p:sld>
 </file>
 
-<file path=ppt/slides/slide16.xml><?xml version="1.0" encoding="utf-8"?>
+<file path=ppt/slides/slide17.xml><?xml version="1.0" encoding="utf-8"?>
 <p:sld xmlns:a="http://schemas.openxmlformats.org/drawingml/2006/main" xmlns:r="http://schemas.openxmlformats.org/officeDocument/2006/relationships" xmlns:p="http://schemas.openxmlformats.org/presentationml/2006/main">
   <p:cSld>
     <p:spTree>
@@ -8735,7 +9195,7 @@
 </p:sld>
 </file>
 
-<file path=ppt/slides/slide17.xml><?xml version="1.0" encoding="utf-8"?>
+<file path=ppt/slides/slide18.xml><?xml version="1.0" encoding="utf-8"?>
 <p:sld xmlns:a="http://schemas.openxmlformats.org/drawingml/2006/main" xmlns:r="http://schemas.openxmlformats.org/officeDocument/2006/relationships" xmlns:p="http://schemas.openxmlformats.org/presentationml/2006/main">
   <p:cSld>
     <p:spTree>
@@ -9132,7 +9592,7 @@
 </p:sld>
 </file>
 
-<file path=ppt/slides/slide18.xml><?xml version="1.0" encoding="utf-8"?>
+<file path=ppt/slides/slide19.xml><?xml version="1.0" encoding="utf-8"?>
 <p:sld xmlns:a="http://schemas.openxmlformats.org/drawingml/2006/main" xmlns:r="http://schemas.openxmlformats.org/officeDocument/2006/relationships" xmlns:p="http://schemas.openxmlformats.org/presentationml/2006/main">
   <p:cSld>
     <p:spTree>
@@ -9726,513 +10186,6 @@
     <p:extLst>
       <p:ext uri="{BB962C8B-B14F-4D97-AF65-F5344CB8AC3E}">
         <p14:creationId xmlns:p14="http://schemas.microsoft.com/office/powerpoint/2010/main" val="1144439797"/>
-      </p:ext>
-    </p:extLst>
-  </p:cSld>
-  <p:clrMapOvr>
-    <a:masterClrMapping/>
-  </p:clrMapOvr>
-</p:sld>
-</file>
-
-<file path=ppt/slides/slide19.xml><?xml version="1.0" encoding="utf-8"?>
-<p:sld xmlns:a="http://schemas.openxmlformats.org/drawingml/2006/main" xmlns:r="http://schemas.openxmlformats.org/officeDocument/2006/relationships" xmlns:p="http://schemas.openxmlformats.org/presentationml/2006/main">
-  <p:cSld>
-    <p:spTree>
-      <p:nvGrpSpPr>
-        <p:cNvPr id="1" name=""/>
-        <p:cNvGrpSpPr/>
-        <p:nvPr/>
-      </p:nvGrpSpPr>
-      <p:grpSpPr>
-        <a:xfrm>
-          <a:off x="0" y="0"/>
-          <a:ext cx="0" cy="0"/>
-          <a:chOff x="0" y="0"/>
-          <a:chExt cx="0" cy="0"/>
-        </a:xfrm>
-      </p:grpSpPr>
-      <p:sp>
-        <p:nvSpPr>
-          <p:cNvPr id="26626" name="Rectangle 5"/>
-          <p:cNvSpPr>
-            <a:spLocks noChangeArrowheads="1"/>
-          </p:cNvSpPr>
-          <p:nvPr/>
-        </p:nvSpPr>
-        <p:spPr bwMode="auto">
-          <a:xfrm>
-            <a:off x="252413" y="5949950"/>
-            <a:ext cx="2447925" cy="908050"/>
-          </a:xfrm>
-          <a:prstGeom prst="rect">
-            <a:avLst/>
-          </a:prstGeom>
-          <a:solidFill>
-            <a:schemeClr val="bg1"/>
-          </a:solidFill>
-          <a:ln>
-            <a:noFill/>
-          </a:ln>
-          <a:effectLst/>
-          <a:extLst>
-            <a:ext uri="{91240B29-F687-4F45-9708-019B960494DF}">
-              <a14:hiddenLine xmlns:a14="http://schemas.microsoft.com/office/drawing/2010/main" w="12700">
-                <a:solidFill>
-                  <a:schemeClr val="tx1"/>
-                </a:solidFill>
-                <a:miter lim="800000"/>
-                <a:headEnd type="none" w="sm" len="sm"/>
-                <a:tailEnd type="none" w="sm" len="sm"/>
-              </a14:hiddenLine>
-            </a:ext>
-            <a:ext uri="{AF507438-7753-43E0-B8FC-AC1667EBCBE1}">
-              <a14:hiddenEffects xmlns:a14="http://schemas.microsoft.com/office/drawing/2010/main">
-                <a:effectLst>
-                  <a:outerShdw dist="35921" dir="2700000" algn="ctr" rotWithShape="0">
-                    <a:schemeClr val="bg2"/>
-                  </a:outerShdw>
-                </a:effectLst>
-              </a14:hiddenEffects>
-            </a:ext>
-          </a:extLst>
-        </p:spPr>
-        <p:txBody>
-          <a:bodyPr wrap="none" anchor="ctr"/>
-          <a:lstStyle/>
-          <a:p>
-            <a:endParaRPr lang="es-MX" dirty="0"/>
-          </a:p>
-        </p:txBody>
-      </p:sp>
-      <p:sp>
-        <p:nvSpPr>
-          <p:cNvPr id="26629" name="Rectangle 4"/>
-          <p:cNvSpPr>
-            <a:spLocks noChangeArrowheads="1"/>
-          </p:cNvSpPr>
-          <p:nvPr/>
-        </p:nvSpPr>
-        <p:spPr bwMode="auto">
-          <a:xfrm>
-            <a:off x="1763688" y="2102892"/>
-            <a:ext cx="6660753" cy="1971437"/>
-          </a:xfrm>
-          <a:prstGeom prst="rect">
-            <a:avLst/>
-          </a:prstGeom>
-          <a:noFill/>
-          <a:ln>
-            <a:noFill/>
-          </a:ln>
-          <a:effectLst/>
-          <a:extLst>
-            <a:ext uri="{909E8E84-426E-40DD-AFC4-6F175D3DCCD1}">
-              <a14:hiddenFill xmlns:a14="http://schemas.microsoft.com/office/drawing/2010/main">
-                <a:solidFill>
-                  <a:schemeClr val="accent1"/>
-                </a:solidFill>
-              </a14:hiddenFill>
-            </a:ext>
-            <a:ext uri="{91240B29-F687-4F45-9708-019B960494DF}">
-              <a14:hiddenLine xmlns:a14="http://schemas.microsoft.com/office/drawing/2010/main" w="12700">
-                <a:solidFill>
-                  <a:schemeClr val="tx1"/>
-                </a:solidFill>
-                <a:miter lim="800000"/>
-                <a:headEnd type="none" w="sm" len="sm"/>
-                <a:tailEnd type="none" w="sm" len="sm"/>
-              </a14:hiddenLine>
-            </a:ext>
-            <a:ext uri="{AF507438-7753-43E0-B8FC-AC1667EBCBE1}">
-              <a14:hiddenEffects xmlns:a14="http://schemas.microsoft.com/office/drawing/2010/main">
-                <a:effectLst>
-                  <a:outerShdw dist="35921" dir="2700000" algn="ctr" rotWithShape="0">
-                    <a:schemeClr val="bg2"/>
-                  </a:outerShdw>
-                </a:effectLst>
-              </a14:hiddenEffects>
-            </a:ext>
-          </a:extLst>
-        </p:spPr>
-        <p:txBody>
-          <a:bodyPr wrap="square">
-            <a:spAutoFit/>
-          </a:bodyPr>
-          <a:lstStyle/>
-          <a:p>
-            <a:pPr defTabSz="762000">
-              <a:lnSpc>
-                <a:spcPct val="150000"/>
-              </a:lnSpc>
-              <a:buClr>
-                <a:schemeClr val="accent1"/>
-              </a:buClr>
-              <a:buSzPct val="80000"/>
-              <a:buFont typeface="Wingdings" pitchFamily="2" charset="2"/>
-              <a:buNone/>
-            </a:pPr>
-            <a:r>
-              <a:rPr lang="es-MX" sz="2100" b="1" dirty="0">
-                <a:solidFill>
-                  <a:schemeClr val="bg2">
-                    <a:lumMod val="25000"/>
-                  </a:schemeClr>
-                </a:solidFill>
-                <a:latin typeface="Arial" pitchFamily="34" charset="0"/>
-                <a:cs typeface="Arial" pitchFamily="34" charset="0"/>
-              </a:rPr>
-              <a:t>n1 = </a:t>
-            </a:r>
-            <a:r>
-              <a:rPr lang="es-MX" sz="2100" b="1" dirty="0" err="1">
-                <a:solidFill>
-                  <a:schemeClr val="bg2">
-                    <a:lumMod val="25000"/>
-                  </a:schemeClr>
-                </a:solidFill>
-                <a:latin typeface="Arial" pitchFamily="34" charset="0"/>
-                <a:cs typeface="Arial" pitchFamily="34" charset="0"/>
-              </a:rPr>
-              <a:t>int</a:t>
-            </a:r>
-            <a:r>
-              <a:rPr lang="es-MX" sz="2100" b="1" dirty="0">
-                <a:solidFill>
-                  <a:schemeClr val="bg2">
-                    <a:lumMod val="25000"/>
-                  </a:schemeClr>
-                </a:solidFill>
-                <a:latin typeface="Arial" pitchFamily="34" charset="0"/>
-                <a:cs typeface="Arial" pitchFamily="34" charset="0"/>
-              </a:rPr>
-              <a:t>(input("Introduce un valor: "))</a:t>
-            </a:r>
-          </a:p>
-          <a:p>
-            <a:pPr defTabSz="762000">
-              <a:lnSpc>
-                <a:spcPct val="150000"/>
-              </a:lnSpc>
-              <a:buClr>
-                <a:schemeClr val="accent1"/>
-              </a:buClr>
-              <a:buSzPct val="80000"/>
-              <a:buFont typeface="Wingdings" pitchFamily="2" charset="2"/>
-              <a:buNone/>
-            </a:pPr>
-            <a:r>
-              <a:rPr lang="es-MX" sz="2100" b="1" dirty="0">
-                <a:solidFill>
-                  <a:schemeClr val="bg2">
-                    <a:lumMod val="25000"/>
-                  </a:schemeClr>
-                </a:solidFill>
-                <a:latin typeface="Arial" pitchFamily="34" charset="0"/>
-                <a:cs typeface="Arial" pitchFamily="34" charset="0"/>
-              </a:rPr>
-              <a:t>n2 = </a:t>
-            </a:r>
-            <a:r>
-              <a:rPr lang="es-MX" sz="2100" b="1" dirty="0" err="1">
-                <a:solidFill>
-                  <a:schemeClr val="bg2">
-                    <a:lumMod val="25000"/>
-                  </a:schemeClr>
-                </a:solidFill>
-                <a:latin typeface="Arial" pitchFamily="34" charset="0"/>
-                <a:cs typeface="Arial" pitchFamily="34" charset="0"/>
-              </a:rPr>
-              <a:t>int</a:t>
-            </a:r>
-            <a:r>
-              <a:rPr lang="es-MX" sz="2100" b="1" dirty="0">
-                <a:solidFill>
-                  <a:schemeClr val="bg2">
-                    <a:lumMod val="25000"/>
-                  </a:schemeClr>
-                </a:solidFill>
-                <a:latin typeface="Arial" pitchFamily="34" charset="0"/>
-                <a:cs typeface="Arial" pitchFamily="34" charset="0"/>
-              </a:rPr>
-              <a:t>(input("Introduce un valor: "))</a:t>
-            </a:r>
-          </a:p>
-          <a:p>
-            <a:pPr defTabSz="762000">
-              <a:lnSpc>
-                <a:spcPct val="150000"/>
-              </a:lnSpc>
-              <a:buClr>
-                <a:schemeClr val="accent1"/>
-              </a:buClr>
-              <a:buSzPct val="80000"/>
-              <a:buFont typeface="Wingdings" pitchFamily="2" charset="2"/>
-              <a:buNone/>
-            </a:pPr>
-            <a:r>
-              <a:rPr lang="es-MX" sz="2100" b="1" dirty="0">
-                <a:solidFill>
-                  <a:schemeClr val="bg2">
-                    <a:lumMod val="25000"/>
-                  </a:schemeClr>
-                </a:solidFill>
-                <a:latin typeface="Arial" pitchFamily="34" charset="0"/>
-                <a:cs typeface="Arial" pitchFamily="34" charset="0"/>
-              </a:rPr>
-              <a:t>n3 = </a:t>
-            </a:r>
-            <a:r>
-              <a:rPr lang="es-MX" sz="2100" b="1" dirty="0" err="1">
-                <a:solidFill>
-                  <a:schemeClr val="bg2">
-                    <a:lumMod val="25000"/>
-                  </a:schemeClr>
-                </a:solidFill>
-                <a:latin typeface="Arial" pitchFamily="34" charset="0"/>
-                <a:cs typeface="Arial" pitchFamily="34" charset="0"/>
-              </a:rPr>
-              <a:t>int</a:t>
-            </a:r>
-            <a:r>
-              <a:rPr lang="es-MX" sz="2100" b="1" dirty="0">
-                <a:solidFill>
-                  <a:schemeClr val="bg2">
-                    <a:lumMod val="25000"/>
-                  </a:schemeClr>
-                </a:solidFill>
-                <a:latin typeface="Arial" pitchFamily="34" charset="0"/>
-                <a:cs typeface="Arial" pitchFamily="34" charset="0"/>
-              </a:rPr>
-              <a:t>(input("Introduce un valor: "))</a:t>
-            </a:r>
-          </a:p>
-          <a:p>
-            <a:pPr defTabSz="762000">
-              <a:lnSpc>
-                <a:spcPct val="150000"/>
-              </a:lnSpc>
-              <a:buClr>
-                <a:schemeClr val="accent1"/>
-              </a:buClr>
-              <a:buSzPct val="80000"/>
-              <a:buFont typeface="Wingdings" pitchFamily="2" charset="2"/>
-              <a:buNone/>
-            </a:pPr>
-            <a:r>
-              <a:rPr lang="es-MX" sz="2100" b="1" dirty="0" err="1">
-                <a:solidFill>
-                  <a:schemeClr val="accent6">
-                    <a:lumMod val="75000"/>
-                  </a:schemeClr>
-                </a:solidFill>
-                <a:latin typeface="Arial" pitchFamily="34" charset="0"/>
-                <a:cs typeface="Arial" pitchFamily="34" charset="0"/>
-              </a:rPr>
-              <a:t>todosPositivos</a:t>
-            </a:r>
-            <a:r>
-              <a:rPr lang="es-MX" sz="2100" b="1" dirty="0">
-                <a:solidFill>
-                  <a:schemeClr val="bg2">
-                    <a:lumMod val="25000"/>
-                  </a:schemeClr>
-                </a:solidFill>
-                <a:latin typeface="Arial" pitchFamily="34" charset="0"/>
-                <a:cs typeface="Arial" pitchFamily="34" charset="0"/>
-              </a:rPr>
-              <a:t> (n1, n2, n3)</a:t>
-            </a:r>
-          </a:p>
-        </p:txBody>
-      </p:sp>
-      <p:pic>
-        <p:nvPicPr>
-          <p:cNvPr id="6" name="Picture 5"/>
-          <p:cNvPicPr>
-            <a:picLocks noChangeAspect="1" noChangeArrowheads="1"/>
-          </p:cNvPicPr>
-          <p:nvPr/>
-        </p:nvPicPr>
-        <p:blipFill>
-          <a:blip r:embed="rId2">
-            <a:extLst>
-              <a:ext uri="{28A0092B-C50C-407E-A947-70E740481C1C}">
-                <a14:useLocalDpi xmlns:a14="http://schemas.microsoft.com/office/drawing/2010/main" val="0"/>
-              </a:ext>
-            </a:extLst>
-          </a:blip>
-          <a:srcRect/>
-          <a:stretch>
-            <a:fillRect/>
-          </a:stretch>
-        </p:blipFill>
-        <p:spPr bwMode="auto">
-          <a:xfrm>
-            <a:off x="6204679" y="4095780"/>
-            <a:ext cx="2236961" cy="1482324"/>
-          </a:xfrm>
-          <a:prstGeom prst="rect">
-            <a:avLst/>
-          </a:prstGeom>
-          <a:noFill/>
-          <a:ln>
-            <a:noFill/>
-          </a:ln>
-          <a:extLst>
-            <a:ext uri="{909E8E84-426E-40DD-AFC4-6F175D3DCCD1}">
-              <a14:hiddenFill xmlns:a14="http://schemas.microsoft.com/office/drawing/2010/main">
-                <a:solidFill>
-                  <a:schemeClr val="accent1"/>
-                </a:solidFill>
-              </a14:hiddenFill>
-            </a:ext>
-            <a:ext uri="{91240B29-F687-4F45-9708-019B960494DF}">
-              <a14:hiddenLine xmlns:a14="http://schemas.microsoft.com/office/drawing/2010/main" w="9525">
-                <a:solidFill>
-                  <a:schemeClr val="tx1"/>
-                </a:solidFill>
-                <a:miter lim="800000"/>
-                <a:headEnd/>
-                <a:tailEnd/>
-              </a14:hiddenLine>
-            </a:ext>
-          </a:extLst>
-        </p:spPr>
-      </p:pic>
-      <p:sp>
-        <p:nvSpPr>
-          <p:cNvPr id="7" name="Rectangle 2"/>
-          <p:cNvSpPr>
-            <a:spLocks noChangeArrowheads="1"/>
-          </p:cNvSpPr>
-          <p:nvPr/>
-        </p:nvSpPr>
-        <p:spPr bwMode="auto">
-          <a:xfrm>
-            <a:off x="6047627" y="5599555"/>
-            <a:ext cx="2551063" cy="1006301"/>
-          </a:xfrm>
-          <a:prstGeom prst="rect">
-            <a:avLst/>
-          </a:prstGeom>
-          <a:noFill/>
-          <a:ln>
-            <a:noFill/>
-          </a:ln>
-          <a:effectLst/>
-          <a:extLst>
-            <a:ext uri="{909E8E84-426E-40DD-AFC4-6F175D3DCCD1}">
-              <a14:hiddenFill xmlns:a14="http://schemas.microsoft.com/office/drawing/2010/main">
-                <a:solidFill>
-                  <a:schemeClr val="accent1"/>
-                </a:solidFill>
-              </a14:hiddenFill>
-            </a:ext>
-            <a:ext uri="{91240B29-F687-4F45-9708-019B960494DF}">
-              <a14:hiddenLine xmlns:a14="http://schemas.microsoft.com/office/drawing/2010/main" w="9525">
-                <a:solidFill>
-                  <a:schemeClr val="tx1"/>
-                </a:solidFill>
-                <a:miter lim="800000"/>
-                <a:headEnd/>
-                <a:tailEnd/>
-              </a14:hiddenLine>
-            </a:ext>
-            <a:ext uri="{AF507438-7753-43E0-B8FC-AC1667EBCBE1}">
-              <a14:hiddenEffects xmlns:a14="http://schemas.microsoft.com/office/drawing/2010/main">
-                <a:effectLst>
-                  <a:outerShdw dist="35921" dir="2700000" algn="ctr" rotWithShape="0">
-                    <a:schemeClr val="bg2"/>
-                  </a:outerShdw>
-                </a:effectLst>
-              </a14:hiddenEffects>
-            </a:ext>
-          </a:extLst>
-        </p:spPr>
-        <p:txBody>
-          <a:bodyPr lIns="92075" tIns="46038" rIns="92075" bIns="46038" anchor="ctr"/>
-          <a:lstStyle/>
-          <a:p>
-            <a:pPr algn="ctr" eaLnBrk="0" hangingPunct="0">
-              <a:defRPr/>
-            </a:pPr>
-            <a:r>
-              <a:rPr lang="es-ES_tradnl" sz="3200" b="1" dirty="0">
-                <a:solidFill>
-                  <a:srgbClr val="0070C0"/>
-                </a:solidFill>
-                <a:effectLst>
-                  <a:outerShdw blurRad="38100" dist="38100" dir="2700000" algn="tl">
-                    <a:srgbClr val="C0C0C0"/>
-                  </a:outerShdw>
-                </a:effectLst>
-                <a:latin typeface="Dom Casual" charset="0"/>
-              </a:rPr>
-              <a:t>Solución</a:t>
-            </a:r>
-          </a:p>
-        </p:txBody>
-      </p:sp>
-      <p:sp>
-        <p:nvSpPr>
-          <p:cNvPr id="8" name="Rectangle 4">
-            <a:extLst>
-              <a:ext uri="{FF2B5EF4-FFF2-40B4-BE49-F238E27FC236}">
-                <a16:creationId xmlns:a16="http://schemas.microsoft.com/office/drawing/2014/main" id="{F80E4E35-360D-4888-9DD3-38CE2219FACA}"/>
-              </a:ext>
-            </a:extLst>
-          </p:cNvPr>
-          <p:cNvSpPr>
-            <a:spLocks noChangeArrowheads="1"/>
-          </p:cNvSpPr>
-          <p:nvPr/>
-        </p:nvSpPr>
-        <p:spPr bwMode="auto">
-          <a:xfrm>
-            <a:off x="1079612" y="632829"/>
-            <a:ext cx="6984775" cy="990600"/>
-          </a:xfrm>
-          <a:prstGeom prst="rect">
-            <a:avLst/>
-          </a:prstGeom>
-          <a:noFill/>
-          <a:ln w="9525">
-            <a:noFill/>
-            <a:miter lim="800000"/>
-            <a:headEnd/>
-            <a:tailEnd/>
-          </a:ln>
-          <a:effectLst/>
-        </p:spPr>
-        <p:txBody>
-          <a:bodyPr lIns="92075" tIns="46038" rIns="92075" bIns="46038" anchor="ctr"/>
-          <a:lstStyle/>
-          <a:p>
-            <a:pPr algn="ctr" eaLnBrk="0" hangingPunct="0"/>
-            <a:r>
-              <a:rPr lang="es-ES_tradnl" sz="4400" b="1" dirty="0">
-                <a:solidFill>
-                  <a:schemeClr val="accent4">
-                    <a:lumMod val="75000"/>
-                  </a:schemeClr>
-                </a:solidFill>
-                <a:effectLst>
-                  <a:outerShdw blurRad="38100" dist="38100" dir="2700000" algn="tl">
-                    <a:srgbClr val="C0C0C0"/>
-                  </a:outerShdw>
-                </a:effectLst>
-                <a:latin typeface="Dom Casual" charset="0"/>
-              </a:rPr>
-              <a:t>Actividad grupal</a:t>
-            </a:r>
-          </a:p>
-        </p:txBody>
-      </p:sp>
-    </p:spTree>
-    <p:extLst>
-      <p:ext uri="{BB962C8B-B14F-4D97-AF65-F5344CB8AC3E}">
-        <p14:creationId xmlns:p14="http://schemas.microsoft.com/office/powerpoint/2010/main" val="3517683693"/>
       </p:ext>
     </p:extLst>
   </p:cSld>
@@ -10613,6 +10566,513 @@
       </p:par>
     </p:tnLst>
   </p:timing>
+</p:sld>
+</file>
+
+<file path=ppt/slides/slide20.xml><?xml version="1.0" encoding="utf-8"?>
+<p:sld xmlns:a="http://schemas.openxmlformats.org/drawingml/2006/main" xmlns:r="http://schemas.openxmlformats.org/officeDocument/2006/relationships" xmlns:p="http://schemas.openxmlformats.org/presentationml/2006/main">
+  <p:cSld>
+    <p:spTree>
+      <p:nvGrpSpPr>
+        <p:cNvPr id="1" name=""/>
+        <p:cNvGrpSpPr/>
+        <p:nvPr/>
+      </p:nvGrpSpPr>
+      <p:grpSpPr>
+        <a:xfrm>
+          <a:off x="0" y="0"/>
+          <a:ext cx="0" cy="0"/>
+          <a:chOff x="0" y="0"/>
+          <a:chExt cx="0" cy="0"/>
+        </a:xfrm>
+      </p:grpSpPr>
+      <p:sp>
+        <p:nvSpPr>
+          <p:cNvPr id="26626" name="Rectangle 5"/>
+          <p:cNvSpPr>
+            <a:spLocks noChangeArrowheads="1"/>
+          </p:cNvSpPr>
+          <p:nvPr/>
+        </p:nvSpPr>
+        <p:spPr bwMode="auto">
+          <a:xfrm>
+            <a:off x="252413" y="5949950"/>
+            <a:ext cx="2447925" cy="908050"/>
+          </a:xfrm>
+          <a:prstGeom prst="rect">
+            <a:avLst/>
+          </a:prstGeom>
+          <a:solidFill>
+            <a:schemeClr val="bg1"/>
+          </a:solidFill>
+          <a:ln>
+            <a:noFill/>
+          </a:ln>
+          <a:effectLst/>
+          <a:extLst>
+            <a:ext uri="{91240B29-F687-4F45-9708-019B960494DF}">
+              <a14:hiddenLine xmlns:a14="http://schemas.microsoft.com/office/drawing/2010/main" w="12700">
+                <a:solidFill>
+                  <a:schemeClr val="tx1"/>
+                </a:solidFill>
+                <a:miter lim="800000"/>
+                <a:headEnd type="none" w="sm" len="sm"/>
+                <a:tailEnd type="none" w="sm" len="sm"/>
+              </a14:hiddenLine>
+            </a:ext>
+            <a:ext uri="{AF507438-7753-43E0-B8FC-AC1667EBCBE1}">
+              <a14:hiddenEffects xmlns:a14="http://schemas.microsoft.com/office/drawing/2010/main">
+                <a:effectLst>
+                  <a:outerShdw dist="35921" dir="2700000" algn="ctr" rotWithShape="0">
+                    <a:schemeClr val="bg2"/>
+                  </a:outerShdw>
+                </a:effectLst>
+              </a14:hiddenEffects>
+            </a:ext>
+          </a:extLst>
+        </p:spPr>
+        <p:txBody>
+          <a:bodyPr wrap="none" anchor="ctr"/>
+          <a:lstStyle/>
+          <a:p>
+            <a:endParaRPr lang="es-MX" dirty="0"/>
+          </a:p>
+        </p:txBody>
+      </p:sp>
+      <p:sp>
+        <p:nvSpPr>
+          <p:cNvPr id="26629" name="Rectangle 4"/>
+          <p:cNvSpPr>
+            <a:spLocks noChangeArrowheads="1"/>
+          </p:cNvSpPr>
+          <p:nvPr/>
+        </p:nvSpPr>
+        <p:spPr bwMode="auto">
+          <a:xfrm>
+            <a:off x="1763688" y="2102892"/>
+            <a:ext cx="6660753" cy="1971437"/>
+          </a:xfrm>
+          <a:prstGeom prst="rect">
+            <a:avLst/>
+          </a:prstGeom>
+          <a:noFill/>
+          <a:ln>
+            <a:noFill/>
+          </a:ln>
+          <a:effectLst/>
+          <a:extLst>
+            <a:ext uri="{909E8E84-426E-40DD-AFC4-6F175D3DCCD1}">
+              <a14:hiddenFill xmlns:a14="http://schemas.microsoft.com/office/drawing/2010/main">
+                <a:solidFill>
+                  <a:schemeClr val="accent1"/>
+                </a:solidFill>
+              </a14:hiddenFill>
+            </a:ext>
+            <a:ext uri="{91240B29-F687-4F45-9708-019B960494DF}">
+              <a14:hiddenLine xmlns:a14="http://schemas.microsoft.com/office/drawing/2010/main" w="12700">
+                <a:solidFill>
+                  <a:schemeClr val="tx1"/>
+                </a:solidFill>
+                <a:miter lim="800000"/>
+                <a:headEnd type="none" w="sm" len="sm"/>
+                <a:tailEnd type="none" w="sm" len="sm"/>
+              </a14:hiddenLine>
+            </a:ext>
+            <a:ext uri="{AF507438-7753-43E0-B8FC-AC1667EBCBE1}">
+              <a14:hiddenEffects xmlns:a14="http://schemas.microsoft.com/office/drawing/2010/main">
+                <a:effectLst>
+                  <a:outerShdw dist="35921" dir="2700000" algn="ctr" rotWithShape="0">
+                    <a:schemeClr val="bg2"/>
+                  </a:outerShdw>
+                </a:effectLst>
+              </a14:hiddenEffects>
+            </a:ext>
+          </a:extLst>
+        </p:spPr>
+        <p:txBody>
+          <a:bodyPr wrap="square">
+            <a:spAutoFit/>
+          </a:bodyPr>
+          <a:lstStyle/>
+          <a:p>
+            <a:pPr defTabSz="762000">
+              <a:lnSpc>
+                <a:spcPct val="150000"/>
+              </a:lnSpc>
+              <a:buClr>
+                <a:schemeClr val="accent1"/>
+              </a:buClr>
+              <a:buSzPct val="80000"/>
+              <a:buFont typeface="Wingdings" pitchFamily="2" charset="2"/>
+              <a:buNone/>
+            </a:pPr>
+            <a:r>
+              <a:rPr lang="es-MX" sz="2100" b="1" dirty="0">
+                <a:solidFill>
+                  <a:schemeClr val="bg2">
+                    <a:lumMod val="25000"/>
+                  </a:schemeClr>
+                </a:solidFill>
+                <a:latin typeface="Arial" pitchFamily="34" charset="0"/>
+                <a:cs typeface="Arial" pitchFamily="34" charset="0"/>
+              </a:rPr>
+              <a:t>n1 = </a:t>
+            </a:r>
+            <a:r>
+              <a:rPr lang="es-MX" sz="2100" b="1" dirty="0" err="1">
+                <a:solidFill>
+                  <a:schemeClr val="bg2">
+                    <a:lumMod val="25000"/>
+                  </a:schemeClr>
+                </a:solidFill>
+                <a:latin typeface="Arial" pitchFamily="34" charset="0"/>
+                <a:cs typeface="Arial" pitchFamily="34" charset="0"/>
+              </a:rPr>
+              <a:t>int</a:t>
+            </a:r>
+            <a:r>
+              <a:rPr lang="es-MX" sz="2100" b="1" dirty="0">
+                <a:solidFill>
+                  <a:schemeClr val="bg2">
+                    <a:lumMod val="25000"/>
+                  </a:schemeClr>
+                </a:solidFill>
+                <a:latin typeface="Arial" pitchFamily="34" charset="0"/>
+                <a:cs typeface="Arial" pitchFamily="34" charset="0"/>
+              </a:rPr>
+              <a:t>(input("Introduce un valor: "))</a:t>
+            </a:r>
+          </a:p>
+          <a:p>
+            <a:pPr defTabSz="762000">
+              <a:lnSpc>
+                <a:spcPct val="150000"/>
+              </a:lnSpc>
+              <a:buClr>
+                <a:schemeClr val="accent1"/>
+              </a:buClr>
+              <a:buSzPct val="80000"/>
+              <a:buFont typeface="Wingdings" pitchFamily="2" charset="2"/>
+              <a:buNone/>
+            </a:pPr>
+            <a:r>
+              <a:rPr lang="es-MX" sz="2100" b="1" dirty="0">
+                <a:solidFill>
+                  <a:schemeClr val="bg2">
+                    <a:lumMod val="25000"/>
+                  </a:schemeClr>
+                </a:solidFill>
+                <a:latin typeface="Arial" pitchFamily="34" charset="0"/>
+                <a:cs typeface="Arial" pitchFamily="34" charset="0"/>
+              </a:rPr>
+              <a:t>n2 = </a:t>
+            </a:r>
+            <a:r>
+              <a:rPr lang="es-MX" sz="2100" b="1" dirty="0" err="1">
+                <a:solidFill>
+                  <a:schemeClr val="bg2">
+                    <a:lumMod val="25000"/>
+                  </a:schemeClr>
+                </a:solidFill>
+                <a:latin typeface="Arial" pitchFamily="34" charset="0"/>
+                <a:cs typeface="Arial" pitchFamily="34" charset="0"/>
+              </a:rPr>
+              <a:t>int</a:t>
+            </a:r>
+            <a:r>
+              <a:rPr lang="es-MX" sz="2100" b="1" dirty="0">
+                <a:solidFill>
+                  <a:schemeClr val="bg2">
+                    <a:lumMod val="25000"/>
+                  </a:schemeClr>
+                </a:solidFill>
+                <a:latin typeface="Arial" pitchFamily="34" charset="0"/>
+                <a:cs typeface="Arial" pitchFamily="34" charset="0"/>
+              </a:rPr>
+              <a:t>(input("Introduce un valor: "))</a:t>
+            </a:r>
+          </a:p>
+          <a:p>
+            <a:pPr defTabSz="762000">
+              <a:lnSpc>
+                <a:spcPct val="150000"/>
+              </a:lnSpc>
+              <a:buClr>
+                <a:schemeClr val="accent1"/>
+              </a:buClr>
+              <a:buSzPct val="80000"/>
+              <a:buFont typeface="Wingdings" pitchFamily="2" charset="2"/>
+              <a:buNone/>
+            </a:pPr>
+            <a:r>
+              <a:rPr lang="es-MX" sz="2100" b="1" dirty="0">
+                <a:solidFill>
+                  <a:schemeClr val="bg2">
+                    <a:lumMod val="25000"/>
+                  </a:schemeClr>
+                </a:solidFill>
+                <a:latin typeface="Arial" pitchFamily="34" charset="0"/>
+                <a:cs typeface="Arial" pitchFamily="34" charset="0"/>
+              </a:rPr>
+              <a:t>n3 = </a:t>
+            </a:r>
+            <a:r>
+              <a:rPr lang="es-MX" sz="2100" b="1" dirty="0" err="1">
+                <a:solidFill>
+                  <a:schemeClr val="bg2">
+                    <a:lumMod val="25000"/>
+                  </a:schemeClr>
+                </a:solidFill>
+                <a:latin typeface="Arial" pitchFamily="34" charset="0"/>
+                <a:cs typeface="Arial" pitchFamily="34" charset="0"/>
+              </a:rPr>
+              <a:t>int</a:t>
+            </a:r>
+            <a:r>
+              <a:rPr lang="es-MX" sz="2100" b="1" dirty="0">
+                <a:solidFill>
+                  <a:schemeClr val="bg2">
+                    <a:lumMod val="25000"/>
+                  </a:schemeClr>
+                </a:solidFill>
+                <a:latin typeface="Arial" pitchFamily="34" charset="0"/>
+                <a:cs typeface="Arial" pitchFamily="34" charset="0"/>
+              </a:rPr>
+              <a:t>(input("Introduce un valor: "))</a:t>
+            </a:r>
+          </a:p>
+          <a:p>
+            <a:pPr defTabSz="762000">
+              <a:lnSpc>
+                <a:spcPct val="150000"/>
+              </a:lnSpc>
+              <a:buClr>
+                <a:schemeClr val="accent1"/>
+              </a:buClr>
+              <a:buSzPct val="80000"/>
+              <a:buFont typeface="Wingdings" pitchFamily="2" charset="2"/>
+              <a:buNone/>
+            </a:pPr>
+            <a:r>
+              <a:rPr lang="es-MX" sz="2100" b="1" dirty="0" err="1">
+                <a:solidFill>
+                  <a:schemeClr val="accent6">
+                    <a:lumMod val="75000"/>
+                  </a:schemeClr>
+                </a:solidFill>
+                <a:latin typeface="Arial" pitchFamily="34" charset="0"/>
+                <a:cs typeface="Arial" pitchFamily="34" charset="0"/>
+              </a:rPr>
+              <a:t>todosPositivos</a:t>
+            </a:r>
+            <a:r>
+              <a:rPr lang="es-MX" sz="2100" b="1" dirty="0">
+                <a:solidFill>
+                  <a:schemeClr val="bg2">
+                    <a:lumMod val="25000"/>
+                  </a:schemeClr>
+                </a:solidFill>
+                <a:latin typeface="Arial" pitchFamily="34" charset="0"/>
+                <a:cs typeface="Arial" pitchFamily="34" charset="0"/>
+              </a:rPr>
+              <a:t> (n1, n2, n3)</a:t>
+            </a:r>
+          </a:p>
+        </p:txBody>
+      </p:sp>
+      <p:pic>
+        <p:nvPicPr>
+          <p:cNvPr id="6" name="Picture 5"/>
+          <p:cNvPicPr>
+            <a:picLocks noChangeAspect="1" noChangeArrowheads="1"/>
+          </p:cNvPicPr>
+          <p:nvPr/>
+        </p:nvPicPr>
+        <p:blipFill>
+          <a:blip r:embed="rId2">
+            <a:extLst>
+              <a:ext uri="{28A0092B-C50C-407E-A947-70E740481C1C}">
+                <a14:useLocalDpi xmlns:a14="http://schemas.microsoft.com/office/drawing/2010/main" val="0"/>
+              </a:ext>
+            </a:extLst>
+          </a:blip>
+          <a:srcRect/>
+          <a:stretch>
+            <a:fillRect/>
+          </a:stretch>
+        </p:blipFill>
+        <p:spPr bwMode="auto">
+          <a:xfrm>
+            <a:off x="6204679" y="4095780"/>
+            <a:ext cx="2236961" cy="1482324"/>
+          </a:xfrm>
+          <a:prstGeom prst="rect">
+            <a:avLst/>
+          </a:prstGeom>
+          <a:noFill/>
+          <a:ln>
+            <a:noFill/>
+          </a:ln>
+          <a:extLst>
+            <a:ext uri="{909E8E84-426E-40DD-AFC4-6F175D3DCCD1}">
+              <a14:hiddenFill xmlns:a14="http://schemas.microsoft.com/office/drawing/2010/main">
+                <a:solidFill>
+                  <a:schemeClr val="accent1"/>
+                </a:solidFill>
+              </a14:hiddenFill>
+            </a:ext>
+            <a:ext uri="{91240B29-F687-4F45-9708-019B960494DF}">
+              <a14:hiddenLine xmlns:a14="http://schemas.microsoft.com/office/drawing/2010/main" w="9525">
+                <a:solidFill>
+                  <a:schemeClr val="tx1"/>
+                </a:solidFill>
+                <a:miter lim="800000"/>
+                <a:headEnd/>
+                <a:tailEnd/>
+              </a14:hiddenLine>
+            </a:ext>
+          </a:extLst>
+        </p:spPr>
+      </p:pic>
+      <p:sp>
+        <p:nvSpPr>
+          <p:cNvPr id="7" name="Rectangle 2"/>
+          <p:cNvSpPr>
+            <a:spLocks noChangeArrowheads="1"/>
+          </p:cNvSpPr>
+          <p:nvPr/>
+        </p:nvSpPr>
+        <p:spPr bwMode="auto">
+          <a:xfrm>
+            <a:off x="6047627" y="5599555"/>
+            <a:ext cx="2551063" cy="1006301"/>
+          </a:xfrm>
+          <a:prstGeom prst="rect">
+            <a:avLst/>
+          </a:prstGeom>
+          <a:noFill/>
+          <a:ln>
+            <a:noFill/>
+          </a:ln>
+          <a:effectLst/>
+          <a:extLst>
+            <a:ext uri="{909E8E84-426E-40DD-AFC4-6F175D3DCCD1}">
+              <a14:hiddenFill xmlns:a14="http://schemas.microsoft.com/office/drawing/2010/main">
+                <a:solidFill>
+                  <a:schemeClr val="accent1"/>
+                </a:solidFill>
+              </a14:hiddenFill>
+            </a:ext>
+            <a:ext uri="{91240B29-F687-4F45-9708-019B960494DF}">
+              <a14:hiddenLine xmlns:a14="http://schemas.microsoft.com/office/drawing/2010/main" w="9525">
+                <a:solidFill>
+                  <a:schemeClr val="tx1"/>
+                </a:solidFill>
+                <a:miter lim="800000"/>
+                <a:headEnd/>
+                <a:tailEnd/>
+              </a14:hiddenLine>
+            </a:ext>
+            <a:ext uri="{AF507438-7753-43E0-B8FC-AC1667EBCBE1}">
+              <a14:hiddenEffects xmlns:a14="http://schemas.microsoft.com/office/drawing/2010/main">
+                <a:effectLst>
+                  <a:outerShdw dist="35921" dir="2700000" algn="ctr" rotWithShape="0">
+                    <a:schemeClr val="bg2"/>
+                  </a:outerShdw>
+                </a:effectLst>
+              </a14:hiddenEffects>
+            </a:ext>
+          </a:extLst>
+        </p:spPr>
+        <p:txBody>
+          <a:bodyPr lIns="92075" tIns="46038" rIns="92075" bIns="46038" anchor="ctr"/>
+          <a:lstStyle/>
+          <a:p>
+            <a:pPr algn="ctr" eaLnBrk="0" hangingPunct="0">
+              <a:defRPr/>
+            </a:pPr>
+            <a:r>
+              <a:rPr lang="es-ES_tradnl" sz="3200" b="1" dirty="0">
+                <a:solidFill>
+                  <a:srgbClr val="0070C0"/>
+                </a:solidFill>
+                <a:effectLst>
+                  <a:outerShdw blurRad="38100" dist="38100" dir="2700000" algn="tl">
+                    <a:srgbClr val="C0C0C0"/>
+                  </a:outerShdw>
+                </a:effectLst>
+                <a:latin typeface="Dom Casual" charset="0"/>
+              </a:rPr>
+              <a:t>Solución</a:t>
+            </a:r>
+          </a:p>
+        </p:txBody>
+      </p:sp>
+      <p:sp>
+        <p:nvSpPr>
+          <p:cNvPr id="8" name="Rectangle 4">
+            <a:extLst>
+              <a:ext uri="{FF2B5EF4-FFF2-40B4-BE49-F238E27FC236}">
+                <a16:creationId xmlns:a16="http://schemas.microsoft.com/office/drawing/2014/main" id="{F80E4E35-360D-4888-9DD3-38CE2219FACA}"/>
+              </a:ext>
+            </a:extLst>
+          </p:cNvPr>
+          <p:cNvSpPr>
+            <a:spLocks noChangeArrowheads="1"/>
+          </p:cNvSpPr>
+          <p:nvPr/>
+        </p:nvSpPr>
+        <p:spPr bwMode="auto">
+          <a:xfrm>
+            <a:off x="1079612" y="632829"/>
+            <a:ext cx="6984775" cy="990600"/>
+          </a:xfrm>
+          <a:prstGeom prst="rect">
+            <a:avLst/>
+          </a:prstGeom>
+          <a:noFill/>
+          <a:ln w="9525">
+            <a:noFill/>
+            <a:miter lim="800000"/>
+            <a:headEnd/>
+            <a:tailEnd/>
+          </a:ln>
+          <a:effectLst/>
+        </p:spPr>
+        <p:txBody>
+          <a:bodyPr lIns="92075" tIns="46038" rIns="92075" bIns="46038" anchor="ctr"/>
+          <a:lstStyle/>
+          <a:p>
+            <a:pPr algn="ctr" eaLnBrk="0" hangingPunct="0"/>
+            <a:r>
+              <a:rPr lang="es-ES_tradnl" sz="4400" b="1" dirty="0">
+                <a:solidFill>
+                  <a:schemeClr val="accent4">
+                    <a:lumMod val="75000"/>
+                  </a:schemeClr>
+                </a:solidFill>
+                <a:effectLst>
+                  <a:outerShdw blurRad="38100" dist="38100" dir="2700000" algn="tl">
+                    <a:srgbClr val="C0C0C0"/>
+                  </a:outerShdw>
+                </a:effectLst>
+                <a:latin typeface="Dom Casual" charset="0"/>
+              </a:rPr>
+              <a:t>Actividad grupal</a:t>
+            </a:r>
+          </a:p>
+        </p:txBody>
+      </p:sp>
+    </p:spTree>
+    <p:extLst>
+      <p:ext uri="{BB962C8B-B14F-4D97-AF65-F5344CB8AC3E}">
+        <p14:creationId xmlns:p14="http://schemas.microsoft.com/office/powerpoint/2010/main" val="3517683693"/>
+      </p:ext>
+    </p:extLst>
+  </p:cSld>
+  <p:clrMapOvr>
+    <a:masterClrMapping/>
+  </p:clrMapOvr>
 </p:sld>
 </file>
 
